--- a/3. 자기소개/자기소개_이명주.pptx
+++ b/3. 자기소개/자기소개_이명주.pptx
@@ -192,7 +192,7 @@
           <a:p>
             <a:fld id="{A57D57A9-58CF-4A55-A4CA-8673C12C8EB7}" type="datetimeFigureOut">
               <a:rPr lang="ko-KR" altLang="en-US" smtClean="0"/>
-              <a:t>2022-08-24</a:t>
+              <a:t>2022-08-25</a:t>
             </a:fld>
             <a:endParaRPr lang="ko-KR" altLang="en-US"/>
           </a:p>
@@ -725,7 +725,7 @@
           <a:p>
             <a:fld id="{BFBD6C35-E401-4FB4-B44A-F7CCF2CA486F}" type="datetimeFigureOut">
               <a:rPr lang="ko-KR" altLang="en-US" smtClean="0"/>
-              <a:t>2022-08-24</a:t>
+              <a:t>2022-08-25</a:t>
             </a:fld>
             <a:endParaRPr lang="ko-KR" altLang="en-US"/>
           </a:p>
@@ -895,7 +895,7 @@
           <a:p>
             <a:fld id="{BFBD6C35-E401-4FB4-B44A-F7CCF2CA486F}" type="datetimeFigureOut">
               <a:rPr lang="ko-KR" altLang="en-US" smtClean="0"/>
-              <a:t>2022-08-24</a:t>
+              <a:t>2022-08-25</a:t>
             </a:fld>
             <a:endParaRPr lang="ko-KR" altLang="en-US"/>
           </a:p>
@@ -1075,7 +1075,7 @@
           <a:p>
             <a:fld id="{BFBD6C35-E401-4FB4-B44A-F7CCF2CA486F}" type="datetimeFigureOut">
               <a:rPr lang="ko-KR" altLang="en-US" smtClean="0"/>
-              <a:t>2022-08-24</a:t>
+              <a:t>2022-08-25</a:t>
             </a:fld>
             <a:endParaRPr lang="ko-KR" altLang="en-US"/>
           </a:p>
@@ -1245,7 +1245,7 @@
           <a:p>
             <a:fld id="{BFBD6C35-E401-4FB4-B44A-F7CCF2CA486F}" type="datetimeFigureOut">
               <a:rPr lang="ko-KR" altLang="en-US" smtClean="0"/>
-              <a:t>2022-08-24</a:t>
+              <a:t>2022-08-25</a:t>
             </a:fld>
             <a:endParaRPr lang="ko-KR" altLang="en-US"/>
           </a:p>
@@ -1491,7 +1491,7 @@
           <a:p>
             <a:fld id="{BFBD6C35-E401-4FB4-B44A-F7CCF2CA486F}" type="datetimeFigureOut">
               <a:rPr lang="ko-KR" altLang="en-US" smtClean="0"/>
-              <a:t>2022-08-24</a:t>
+              <a:t>2022-08-25</a:t>
             </a:fld>
             <a:endParaRPr lang="ko-KR" altLang="en-US"/>
           </a:p>
@@ -1779,7 +1779,7 @@
           <a:p>
             <a:fld id="{BFBD6C35-E401-4FB4-B44A-F7CCF2CA486F}" type="datetimeFigureOut">
               <a:rPr lang="ko-KR" altLang="en-US" smtClean="0"/>
-              <a:t>2022-08-24</a:t>
+              <a:t>2022-08-25</a:t>
             </a:fld>
             <a:endParaRPr lang="ko-KR" altLang="en-US"/>
           </a:p>
@@ -2201,7 +2201,7 @@
           <a:p>
             <a:fld id="{BFBD6C35-E401-4FB4-B44A-F7CCF2CA486F}" type="datetimeFigureOut">
               <a:rPr lang="ko-KR" altLang="en-US" smtClean="0"/>
-              <a:t>2022-08-24</a:t>
+              <a:t>2022-08-25</a:t>
             </a:fld>
             <a:endParaRPr lang="ko-KR" altLang="en-US"/>
           </a:p>
@@ -2319,7 +2319,7 @@
           <a:p>
             <a:fld id="{BFBD6C35-E401-4FB4-B44A-F7CCF2CA486F}" type="datetimeFigureOut">
               <a:rPr lang="ko-KR" altLang="en-US" smtClean="0"/>
-              <a:t>2022-08-24</a:t>
+              <a:t>2022-08-25</a:t>
             </a:fld>
             <a:endParaRPr lang="ko-KR" altLang="en-US"/>
           </a:p>
@@ -2414,7 +2414,7 @@
           <a:p>
             <a:fld id="{BFBD6C35-E401-4FB4-B44A-F7CCF2CA486F}" type="datetimeFigureOut">
               <a:rPr lang="ko-KR" altLang="en-US" smtClean="0"/>
-              <a:t>2022-08-24</a:t>
+              <a:t>2022-08-25</a:t>
             </a:fld>
             <a:endParaRPr lang="ko-KR" altLang="en-US"/>
           </a:p>
@@ -2691,7 +2691,7 @@
           <a:p>
             <a:fld id="{BFBD6C35-E401-4FB4-B44A-F7CCF2CA486F}" type="datetimeFigureOut">
               <a:rPr lang="ko-KR" altLang="en-US" smtClean="0"/>
-              <a:t>2022-08-24</a:t>
+              <a:t>2022-08-25</a:t>
             </a:fld>
             <a:endParaRPr lang="ko-KR" altLang="en-US"/>
           </a:p>
@@ -2944,7 +2944,7 @@
           <a:p>
             <a:fld id="{BFBD6C35-E401-4FB4-B44A-F7CCF2CA486F}" type="datetimeFigureOut">
               <a:rPr lang="ko-KR" altLang="en-US" smtClean="0"/>
-              <a:t>2022-08-24</a:t>
+              <a:t>2022-08-25</a:t>
             </a:fld>
             <a:endParaRPr lang="ko-KR" altLang="en-US"/>
           </a:p>
@@ -3157,7 +3157,7 @@
           <a:p>
             <a:fld id="{BFBD6C35-E401-4FB4-B44A-F7CCF2CA486F}" type="datetimeFigureOut">
               <a:rPr lang="ko-KR" altLang="en-US" smtClean="0"/>
-              <a:t>2022-08-24</a:t>
+              <a:t>2022-08-25</a:t>
             </a:fld>
             <a:endParaRPr lang="ko-KR" altLang="en-US"/>
           </a:p>
@@ -3550,105 +3550,18 @@
         </p:spPr>
         <p:txBody>
           <a:bodyPr>
-            <a:normAutofit fontScale="70000" lnSpcReduction="20000"/>
+            <a:normAutofit/>
           </a:bodyPr>
           <a:lstStyle/>
           <a:p>
             <a:pPr algn="r"/>
             <a:r>
-              <a:rPr lang="ko-KR" altLang="en-US" dirty="0" smtClean="0"/>
-              <a:t>이명주</a:t>
-            </a:r>
-            <a:endParaRPr lang="en-US" altLang="ko-KR" dirty="0"/>
-          </a:p>
-          <a:p>
-            <a:pPr algn="r"/>
-            <a:r>
-              <a:rPr lang="ko-KR" altLang="en-US" dirty="0" smtClean="0"/>
-              <a:t>노트북</a:t>
+              <a:rPr lang="en-US" altLang="ko-KR" dirty="0" err="1" smtClean="0"/>
+              <a:t>Git</a:t>
             </a:r>
             <a:r>
               <a:rPr lang="en-US" altLang="ko-KR" dirty="0" smtClean="0"/>
-              <a:t>, </a:t>
-            </a:r>
-            <a:r>
-              <a:rPr lang="ko-KR" altLang="en-US" dirty="0" smtClean="0"/>
-              <a:t>핸드폰</a:t>
-            </a:r>
-            <a:endParaRPr lang="en-US" altLang="ko-KR" dirty="0"/>
-          </a:p>
-          <a:p>
-            <a:pPr algn="r"/>
-            <a:r>
-              <a:rPr lang="en-US" altLang="ko-KR" dirty="0" smtClean="0"/>
-              <a:t>Windows</a:t>
-            </a:r>
-            <a:r>
-              <a:rPr lang="ko-KR" altLang="en-US" dirty="0" smtClean="0"/>
-              <a:t>와 </a:t>
-            </a:r>
-            <a:r>
-              <a:rPr lang="en-US" altLang="ko-KR" dirty="0" smtClean="0"/>
-              <a:t>Android </a:t>
-            </a:r>
-            <a:r>
-              <a:rPr lang="ko-KR" altLang="en-US" dirty="0" smtClean="0"/>
-              <a:t>를 사용합니다</a:t>
-            </a:r>
-            <a:r>
-              <a:rPr lang="en-US" altLang="ko-KR" dirty="0" smtClean="0"/>
-              <a:t>.</a:t>
-            </a:r>
-            <a:endParaRPr lang="en-US" altLang="ko-KR" dirty="0" smtClean="0"/>
-          </a:p>
-          <a:p>
-            <a:pPr algn="r"/>
-            <a:r>
-              <a:rPr lang="ko-KR" altLang="en-US" dirty="0" smtClean="0"/>
-              <a:t>뜨개질</a:t>
-            </a:r>
-            <a:endParaRPr lang="en-US" altLang="ko-KR" dirty="0"/>
-          </a:p>
-          <a:p>
-            <a:pPr algn="r"/>
-            <a:r>
-              <a:rPr lang="ko-KR" altLang="en-US" dirty="0" smtClean="0"/>
-              <a:t>주변 사람들에게 직접 만든 물건을 선물합니다</a:t>
-            </a:r>
-            <a:r>
-              <a:rPr lang="en-US" altLang="ko-KR" dirty="0" smtClean="0"/>
-              <a:t>.</a:t>
-            </a:r>
-            <a:endParaRPr lang="en-US" altLang="ko-KR" dirty="0" smtClean="0"/>
-          </a:p>
-          <a:p>
-            <a:pPr algn="r"/>
-            <a:r>
-              <a:rPr lang="ko-KR" altLang="en-US" dirty="0" smtClean="0"/>
-              <a:t>프로그램과 알고리즘을 이해하여 실무에 적용하고 싶습니다</a:t>
-            </a:r>
-            <a:r>
-              <a:rPr lang="en-US" altLang="ko-KR" dirty="0" smtClean="0"/>
-              <a:t>.</a:t>
-            </a:r>
-          </a:p>
-          <a:p>
-            <a:pPr algn="r"/>
-            <a:r>
-              <a:rPr lang="ko-KR" altLang="en-US" dirty="0" smtClean="0"/>
-              <a:t>즐길 </a:t>
-            </a:r>
-            <a:r>
-              <a:rPr lang="ko-KR" altLang="en-US" dirty="0" smtClean="0"/>
-              <a:t>수 </a:t>
-            </a:r>
-            <a:r>
-              <a:rPr lang="ko-KR" altLang="en-US" dirty="0" smtClean="0"/>
-              <a:t>있는 일을 하자</a:t>
-            </a:r>
-            <a:r>
-              <a:rPr lang="en-US" altLang="ko-KR" dirty="0" smtClean="0"/>
-              <a:t>. </a:t>
+              <a:t> Test!</a:t>
             </a:r>
             <a:endParaRPr lang="en-US" altLang="ko-KR" dirty="0" smtClean="0"/>
           </a:p>
